--- a/Week_3/Coding_rubric/Image.pptx
+++ b/Week_3/Coding_rubric/Image.pptx
@@ -4,8 +4,12 @@
   <p:sldMasterIdLst>
     <p:sldMasterId id="2147483648" r:id="rId1"/>
   </p:sldMasterIdLst>
+  <p:notesMasterIdLst>
+    <p:notesMasterId r:id="rId4"/>
+  </p:notesMasterIdLst>
   <p:sldIdLst>
     <p:sldId id="256" r:id="rId2"/>
+    <p:sldId id="257" r:id="rId3"/>
   </p:sldIdLst>
   <p:sldSz cx="12192000" cy="6858000"/>
   <p:notesSz cx="6858000" cy="9144000"/>
@@ -121,6 +125,440 @@
     </p:ext>
   </p:extLst>
 </p:presentation>
+</file>
+
+<file path=ppt/notesMasters/notesMaster1.xml><?xml version="1.0" encoding="utf-8"?>
+<p:notesMaster xmlns:a="http://schemas.openxmlformats.org/drawingml/2006/main" xmlns:r="http://schemas.openxmlformats.org/officeDocument/2006/relationships" xmlns:p="http://schemas.openxmlformats.org/presentationml/2006/main">
+  <p:cSld>
+    <p:bg>
+      <p:bgRef idx="1001">
+        <a:schemeClr val="bg1"/>
+      </p:bgRef>
+    </p:bg>
+    <p:spTree>
+      <p:nvGrpSpPr>
+        <p:cNvPr id="1" name=""/>
+        <p:cNvGrpSpPr/>
+        <p:nvPr/>
+      </p:nvGrpSpPr>
+      <p:grpSpPr>
+        <a:xfrm>
+          <a:off x="0" y="0"/>
+          <a:ext cx="0" cy="0"/>
+          <a:chOff x="0" y="0"/>
+          <a:chExt cx="0" cy="0"/>
+        </a:xfrm>
+      </p:grpSpPr>
+      <p:sp>
+        <p:nvSpPr>
+          <p:cNvPr id="2" name="Header Placeholder 1"/>
+          <p:cNvSpPr>
+            <a:spLocks noGrp="1"/>
+          </p:cNvSpPr>
+          <p:nvPr>
+            <p:ph type="hdr" sz="quarter"/>
+          </p:nvPr>
+        </p:nvSpPr>
+        <p:spPr>
+          <a:xfrm>
+            <a:off x="0" y="0"/>
+            <a:ext cx="2971800" cy="458788"/>
+          </a:xfrm>
+          <a:prstGeom prst="rect">
+            <a:avLst/>
+          </a:prstGeom>
+        </p:spPr>
+        <p:txBody>
+          <a:bodyPr vert="horz" lIns="91440" tIns="45720" rIns="91440" bIns="45720" rtlCol="0"/>
+          <a:lstStyle>
+            <a:lvl1pPr algn="l">
+              <a:defRPr sz="1200"/>
+            </a:lvl1pPr>
+          </a:lstStyle>
+          <a:p>
+            <a:endParaRPr lang="en-AU"/>
+          </a:p>
+        </p:txBody>
+      </p:sp>
+      <p:sp>
+        <p:nvSpPr>
+          <p:cNvPr id="3" name="Date Placeholder 2"/>
+          <p:cNvSpPr>
+            <a:spLocks noGrp="1"/>
+          </p:cNvSpPr>
+          <p:nvPr>
+            <p:ph type="dt" idx="1"/>
+          </p:nvPr>
+        </p:nvSpPr>
+        <p:spPr>
+          <a:xfrm>
+            <a:off x="3884613" y="0"/>
+            <a:ext cx="2971800" cy="458788"/>
+          </a:xfrm>
+          <a:prstGeom prst="rect">
+            <a:avLst/>
+          </a:prstGeom>
+        </p:spPr>
+        <p:txBody>
+          <a:bodyPr vert="horz" lIns="91440" tIns="45720" rIns="91440" bIns="45720" rtlCol="0"/>
+          <a:lstStyle>
+            <a:lvl1pPr algn="r">
+              <a:defRPr sz="1200"/>
+            </a:lvl1pPr>
+          </a:lstStyle>
+          <a:p>
+            <a:fld id="{4A1EB44C-379D-C94E-94D8-D7A2C0AA4B9E}" type="datetimeFigureOut">
+              <a:rPr lang="en-AU" smtClean="0"/>
+              <a:t>1/8/2025</a:t>
+            </a:fld>
+            <a:endParaRPr lang="en-AU"/>
+          </a:p>
+        </p:txBody>
+      </p:sp>
+      <p:sp>
+        <p:nvSpPr>
+          <p:cNvPr id="4" name="Slide Image Placeholder 3"/>
+          <p:cNvSpPr>
+            <a:spLocks noGrp="1" noRot="1" noChangeAspect="1"/>
+          </p:cNvSpPr>
+          <p:nvPr>
+            <p:ph type="sldImg" idx="2"/>
+          </p:nvPr>
+        </p:nvSpPr>
+        <p:spPr>
+          <a:xfrm>
+            <a:off x="685800" y="1143000"/>
+            <a:ext cx="5486400" cy="3086100"/>
+          </a:xfrm>
+          <a:prstGeom prst="rect">
+            <a:avLst/>
+          </a:prstGeom>
+          <a:noFill/>
+          <a:ln w="12700">
+            <a:solidFill>
+              <a:prstClr val="black"/>
+            </a:solidFill>
+          </a:ln>
+        </p:spPr>
+        <p:txBody>
+          <a:bodyPr vert="horz" lIns="91440" tIns="45720" rIns="91440" bIns="45720" rtlCol="0" anchor="ctr"/>
+          <a:lstStyle/>
+          <a:p>
+            <a:endParaRPr lang="en-AU"/>
+          </a:p>
+        </p:txBody>
+      </p:sp>
+      <p:sp>
+        <p:nvSpPr>
+          <p:cNvPr id="5" name="Notes Placeholder 4"/>
+          <p:cNvSpPr>
+            <a:spLocks noGrp="1"/>
+          </p:cNvSpPr>
+          <p:nvPr>
+            <p:ph type="body" sz="quarter" idx="3"/>
+          </p:nvPr>
+        </p:nvSpPr>
+        <p:spPr>
+          <a:xfrm>
+            <a:off x="685800" y="4400550"/>
+            <a:ext cx="5486400" cy="3600450"/>
+          </a:xfrm>
+          <a:prstGeom prst="rect">
+            <a:avLst/>
+          </a:prstGeom>
+        </p:spPr>
+        <p:txBody>
+          <a:bodyPr vert="horz" lIns="91440" tIns="45720" rIns="91440" bIns="45720" rtlCol="0"/>
+          <a:lstStyle/>
+          <a:p>
+            <a:pPr lvl="0"/>
+            <a:r>
+              <a:rPr lang="en-GB"/>
+              <a:t>Click to edit Master text styles</a:t>
+            </a:r>
+          </a:p>
+          <a:p>
+            <a:pPr lvl="1"/>
+            <a:r>
+              <a:rPr lang="en-GB"/>
+              <a:t>Second level</a:t>
+            </a:r>
+          </a:p>
+          <a:p>
+            <a:pPr lvl="2"/>
+            <a:r>
+              <a:rPr lang="en-GB"/>
+              <a:t>Third level</a:t>
+            </a:r>
+          </a:p>
+          <a:p>
+            <a:pPr lvl="3"/>
+            <a:r>
+              <a:rPr lang="en-GB"/>
+              <a:t>Fourth level</a:t>
+            </a:r>
+          </a:p>
+          <a:p>
+            <a:pPr lvl="4"/>
+            <a:r>
+              <a:rPr lang="en-GB"/>
+              <a:t>Fifth level</a:t>
+            </a:r>
+            <a:endParaRPr lang="en-AU"/>
+          </a:p>
+        </p:txBody>
+      </p:sp>
+      <p:sp>
+        <p:nvSpPr>
+          <p:cNvPr id="6" name="Footer Placeholder 5"/>
+          <p:cNvSpPr>
+            <a:spLocks noGrp="1"/>
+          </p:cNvSpPr>
+          <p:nvPr>
+            <p:ph type="ftr" sz="quarter" idx="4"/>
+          </p:nvPr>
+        </p:nvSpPr>
+        <p:spPr>
+          <a:xfrm>
+            <a:off x="0" y="8685213"/>
+            <a:ext cx="2971800" cy="458787"/>
+          </a:xfrm>
+          <a:prstGeom prst="rect">
+            <a:avLst/>
+          </a:prstGeom>
+        </p:spPr>
+        <p:txBody>
+          <a:bodyPr vert="horz" lIns="91440" tIns="45720" rIns="91440" bIns="45720" rtlCol="0" anchor="b"/>
+          <a:lstStyle>
+            <a:lvl1pPr algn="l">
+              <a:defRPr sz="1200"/>
+            </a:lvl1pPr>
+          </a:lstStyle>
+          <a:p>
+            <a:endParaRPr lang="en-AU"/>
+          </a:p>
+        </p:txBody>
+      </p:sp>
+      <p:sp>
+        <p:nvSpPr>
+          <p:cNvPr id="7" name="Slide Number Placeholder 6"/>
+          <p:cNvSpPr>
+            <a:spLocks noGrp="1"/>
+          </p:cNvSpPr>
+          <p:nvPr>
+            <p:ph type="sldNum" sz="quarter" idx="5"/>
+          </p:nvPr>
+        </p:nvSpPr>
+        <p:spPr>
+          <a:xfrm>
+            <a:off x="3884613" y="8685213"/>
+            <a:ext cx="2971800" cy="458787"/>
+          </a:xfrm>
+          <a:prstGeom prst="rect">
+            <a:avLst/>
+          </a:prstGeom>
+        </p:spPr>
+        <p:txBody>
+          <a:bodyPr vert="horz" lIns="91440" tIns="45720" rIns="91440" bIns="45720" rtlCol="0" anchor="b"/>
+          <a:lstStyle>
+            <a:lvl1pPr algn="r">
+              <a:defRPr sz="1200"/>
+            </a:lvl1pPr>
+          </a:lstStyle>
+          <a:p>
+            <a:fld id="{C68612B0-F50F-984B-BD38-FF3D82E6DA2A}" type="slidenum">
+              <a:rPr lang="en-AU" smtClean="0"/>
+              <a:t>‹#›</a:t>
+            </a:fld>
+            <a:endParaRPr lang="en-AU"/>
+          </a:p>
+        </p:txBody>
+      </p:sp>
+    </p:spTree>
+    <p:extLst>
+      <p:ext uri="{BB962C8B-B14F-4D97-AF65-F5344CB8AC3E}">
+        <p14:creationId xmlns:p14="http://schemas.microsoft.com/office/powerpoint/2010/main" val="2052562655"/>
+      </p:ext>
+    </p:extLst>
+  </p:cSld>
+  <p:clrMap bg1="lt1" tx1="dk1" bg2="lt2" tx2="dk2" accent1="accent1" accent2="accent2" accent3="accent3" accent4="accent4" accent5="accent5" accent6="accent6" hlink="hlink" folHlink="folHlink"/>
+  <p:notesStyle>
+    <a:lvl1pPr marL="0" algn="l" defTabSz="914400" rtl="0" eaLnBrk="1" latinLnBrk="0" hangingPunct="1">
+      <a:defRPr sz="1200" kern="1200">
+        <a:solidFill>
+          <a:schemeClr val="tx1"/>
+        </a:solidFill>
+        <a:latin typeface="+mn-lt"/>
+        <a:ea typeface="+mn-ea"/>
+        <a:cs typeface="+mn-cs"/>
+      </a:defRPr>
+    </a:lvl1pPr>
+    <a:lvl2pPr marL="457200" algn="l" defTabSz="914400" rtl="0" eaLnBrk="1" latinLnBrk="0" hangingPunct="1">
+      <a:defRPr sz="1200" kern="1200">
+        <a:solidFill>
+          <a:schemeClr val="tx1"/>
+        </a:solidFill>
+        <a:latin typeface="+mn-lt"/>
+        <a:ea typeface="+mn-ea"/>
+        <a:cs typeface="+mn-cs"/>
+      </a:defRPr>
+    </a:lvl2pPr>
+    <a:lvl3pPr marL="914400" algn="l" defTabSz="914400" rtl="0" eaLnBrk="1" latinLnBrk="0" hangingPunct="1">
+      <a:defRPr sz="1200" kern="1200">
+        <a:solidFill>
+          <a:schemeClr val="tx1"/>
+        </a:solidFill>
+        <a:latin typeface="+mn-lt"/>
+        <a:ea typeface="+mn-ea"/>
+        <a:cs typeface="+mn-cs"/>
+      </a:defRPr>
+    </a:lvl3pPr>
+    <a:lvl4pPr marL="1371600" algn="l" defTabSz="914400" rtl="0" eaLnBrk="1" latinLnBrk="0" hangingPunct="1">
+      <a:defRPr sz="1200" kern="1200">
+        <a:solidFill>
+          <a:schemeClr val="tx1"/>
+        </a:solidFill>
+        <a:latin typeface="+mn-lt"/>
+        <a:ea typeface="+mn-ea"/>
+        <a:cs typeface="+mn-cs"/>
+      </a:defRPr>
+    </a:lvl4pPr>
+    <a:lvl5pPr marL="1828800" algn="l" defTabSz="914400" rtl="0" eaLnBrk="1" latinLnBrk="0" hangingPunct="1">
+      <a:defRPr sz="1200" kern="1200">
+        <a:solidFill>
+          <a:schemeClr val="tx1"/>
+        </a:solidFill>
+        <a:latin typeface="+mn-lt"/>
+        <a:ea typeface="+mn-ea"/>
+        <a:cs typeface="+mn-cs"/>
+      </a:defRPr>
+    </a:lvl5pPr>
+    <a:lvl6pPr marL="2286000" algn="l" defTabSz="914400" rtl="0" eaLnBrk="1" latinLnBrk="0" hangingPunct="1">
+      <a:defRPr sz="1200" kern="1200">
+        <a:solidFill>
+          <a:schemeClr val="tx1"/>
+        </a:solidFill>
+        <a:latin typeface="+mn-lt"/>
+        <a:ea typeface="+mn-ea"/>
+        <a:cs typeface="+mn-cs"/>
+      </a:defRPr>
+    </a:lvl6pPr>
+    <a:lvl7pPr marL="2743200" algn="l" defTabSz="914400" rtl="0" eaLnBrk="1" latinLnBrk="0" hangingPunct="1">
+      <a:defRPr sz="1200" kern="1200">
+        <a:solidFill>
+          <a:schemeClr val="tx1"/>
+        </a:solidFill>
+        <a:latin typeface="+mn-lt"/>
+        <a:ea typeface="+mn-ea"/>
+        <a:cs typeface="+mn-cs"/>
+      </a:defRPr>
+    </a:lvl7pPr>
+    <a:lvl8pPr marL="3200400" algn="l" defTabSz="914400" rtl="0" eaLnBrk="1" latinLnBrk="0" hangingPunct="1">
+      <a:defRPr sz="1200" kern="1200">
+        <a:solidFill>
+          <a:schemeClr val="tx1"/>
+        </a:solidFill>
+        <a:latin typeface="+mn-lt"/>
+        <a:ea typeface="+mn-ea"/>
+        <a:cs typeface="+mn-cs"/>
+      </a:defRPr>
+    </a:lvl8pPr>
+    <a:lvl9pPr marL="3657600" algn="l" defTabSz="914400" rtl="0" eaLnBrk="1" latinLnBrk="0" hangingPunct="1">
+      <a:defRPr sz="1200" kern="1200">
+        <a:solidFill>
+          <a:schemeClr val="tx1"/>
+        </a:solidFill>
+        <a:latin typeface="+mn-lt"/>
+        <a:ea typeface="+mn-ea"/>
+        <a:cs typeface="+mn-cs"/>
+      </a:defRPr>
+    </a:lvl9pPr>
+  </p:notesStyle>
+</p:notesMaster>
+</file>
+
+<file path=ppt/notesSlides/notesSlide1.xml><?xml version="1.0" encoding="utf-8"?>
+<p:notes xmlns:a="http://schemas.openxmlformats.org/drawingml/2006/main" xmlns:r="http://schemas.openxmlformats.org/officeDocument/2006/relationships" xmlns:p="http://schemas.openxmlformats.org/presentationml/2006/main">
+  <p:cSld>
+    <p:spTree>
+      <p:nvGrpSpPr>
+        <p:cNvPr id="1" name=""/>
+        <p:cNvGrpSpPr/>
+        <p:nvPr/>
+      </p:nvGrpSpPr>
+      <p:grpSpPr>
+        <a:xfrm>
+          <a:off x="0" y="0"/>
+          <a:ext cx="0" cy="0"/>
+          <a:chOff x="0" y="0"/>
+          <a:chExt cx="0" cy="0"/>
+        </a:xfrm>
+      </p:grpSpPr>
+      <p:sp>
+        <p:nvSpPr>
+          <p:cNvPr id="2" name="Slide Image Placeholder 1"/>
+          <p:cNvSpPr>
+            <a:spLocks noGrp="1" noRot="1" noChangeAspect="1"/>
+          </p:cNvSpPr>
+          <p:nvPr>
+            <p:ph type="sldImg"/>
+          </p:nvPr>
+        </p:nvSpPr>
+        <p:spPr/>
+      </p:sp>
+      <p:sp>
+        <p:nvSpPr>
+          <p:cNvPr id="3" name="Notes Placeholder 2"/>
+          <p:cNvSpPr>
+            <a:spLocks noGrp="1"/>
+          </p:cNvSpPr>
+          <p:nvPr>
+            <p:ph type="body" idx="1"/>
+          </p:nvPr>
+        </p:nvSpPr>
+        <p:spPr/>
+        <p:txBody>
+          <a:bodyPr/>
+          <a:lstStyle/>
+          <a:p>
+            <a:endParaRPr lang="en-AU" dirty="0"/>
+          </a:p>
+        </p:txBody>
+      </p:sp>
+      <p:sp>
+        <p:nvSpPr>
+          <p:cNvPr id="4" name="Slide Number Placeholder 3"/>
+          <p:cNvSpPr>
+            <a:spLocks noGrp="1"/>
+          </p:cNvSpPr>
+          <p:nvPr>
+            <p:ph type="sldNum" sz="quarter" idx="5"/>
+          </p:nvPr>
+        </p:nvSpPr>
+        <p:spPr/>
+        <p:txBody>
+          <a:bodyPr/>
+          <a:lstStyle/>
+          <a:p>
+            <a:fld id="{C68612B0-F50F-984B-BD38-FF3D82E6DA2A}" type="slidenum">
+              <a:rPr lang="en-AU" smtClean="0"/>
+              <a:t>1</a:t>
+            </a:fld>
+            <a:endParaRPr lang="en-AU"/>
+          </a:p>
+        </p:txBody>
+      </p:sp>
+    </p:spTree>
+    <p:extLst>
+      <p:ext uri="{BB962C8B-B14F-4D97-AF65-F5344CB8AC3E}">
+        <p14:creationId xmlns:p14="http://schemas.microsoft.com/office/powerpoint/2010/main" val="1383531241"/>
+      </p:ext>
+    </p:extLst>
+  </p:cSld>
+  <p:clrMapOvr>
+    <a:masterClrMapping/>
+  </p:clrMapOvr>
+</p:notes>
 </file>
 
 <file path=ppt/slideLayouts/slideLayout1.xml><?xml version="1.0" encoding="utf-8"?>
@@ -3360,10 +3798,10 @@
       </p:grpSpPr>
       <p:sp>
         <p:nvSpPr>
-          <p:cNvPr id="4" name="TextBox 3">
-            <a:extLst>
-              <a:ext uri="{FF2B5EF4-FFF2-40B4-BE49-F238E27FC236}">
-                <a16:creationId xmlns:a16="http://schemas.microsoft.com/office/drawing/2014/main" id="{30C50EA2-AAB2-6B5B-A2B2-86D6782ACA4B}"/>
+          <p:cNvPr id="54" name="TextBox 53">
+            <a:extLst>
+              <a:ext uri="{FF2B5EF4-FFF2-40B4-BE49-F238E27FC236}">
+                <a16:creationId xmlns:a16="http://schemas.microsoft.com/office/drawing/2014/main" id="{305CE28D-B431-CAFC-82F7-9E15898FAF74}"/>
               </a:ext>
             </a:extLst>
           </p:cNvPr>
@@ -3402,10 +3840,10 @@
       </p:sp>
       <p:sp>
         <p:nvSpPr>
-          <p:cNvPr id="5" name="TextBox 4">
-            <a:extLst>
-              <a:ext uri="{FF2B5EF4-FFF2-40B4-BE49-F238E27FC236}">
-                <a16:creationId xmlns:a16="http://schemas.microsoft.com/office/drawing/2014/main" id="{9407F8E5-2199-F133-A6ED-732AD9B8B712}"/>
+          <p:cNvPr id="55" name="TextBox 54">
+            <a:extLst>
+              <a:ext uri="{FF2B5EF4-FFF2-40B4-BE49-F238E27FC236}">
+                <a16:creationId xmlns:a16="http://schemas.microsoft.com/office/drawing/2014/main" id="{26EB3B01-F088-216F-4840-482242B0352C}"/>
               </a:ext>
             </a:extLst>
           </p:cNvPr>
@@ -3437,10 +3875,10 @@
       </p:sp>
       <p:cxnSp>
         <p:nvCxnSpPr>
-          <p:cNvPr id="6" name="Straight Connector 5">
-            <a:extLst>
-              <a:ext uri="{FF2B5EF4-FFF2-40B4-BE49-F238E27FC236}">
-                <a16:creationId xmlns:a16="http://schemas.microsoft.com/office/drawing/2014/main" id="{991643DD-CC4F-3D12-92E5-39B8219258CA}"/>
+          <p:cNvPr id="56" name="Straight Connector 55">
+            <a:extLst>
+              <a:ext uri="{FF2B5EF4-FFF2-40B4-BE49-F238E27FC236}">
+                <a16:creationId xmlns:a16="http://schemas.microsoft.com/office/drawing/2014/main" id="{10231076-6B3C-F933-FF72-B56B666EF330}"/>
               </a:ext>
             </a:extLst>
           </p:cNvPr>
@@ -3480,48 +3918,12 @@
           </a:fontRef>
         </p:style>
       </p:cxnSp>
-      <p:pic>
-        <p:nvPicPr>
-          <p:cNvPr id="7" name="Graphic 6" descr="Open folder with solid fill">
-            <a:extLst>
-              <a:ext uri="{FF2B5EF4-FFF2-40B4-BE49-F238E27FC236}">
-                <a16:creationId xmlns:a16="http://schemas.microsoft.com/office/drawing/2014/main" id="{D15D5BF1-72C5-0305-6294-B9BB9C04C52C}"/>
-              </a:ext>
-            </a:extLst>
-          </p:cNvPr>
-          <p:cNvPicPr>
-            <a:picLocks noChangeAspect="1"/>
-          </p:cNvPicPr>
-          <p:nvPr/>
-        </p:nvPicPr>
-        <p:blipFill>
-          <a:blip r:embed="rId2">
-            <a:extLst>
-              <a:ext uri="{96DAC541-7B7A-43D3-8B79-37D633B846F1}">
-                <asvg:svgBlip xmlns:asvg="http://schemas.microsoft.com/office/drawing/2016/SVG/main" r:embed="rId3"/>
-              </a:ext>
-            </a:extLst>
-          </a:blip>
-          <a:stretch>
-            <a:fillRect/>
-          </a:stretch>
-        </p:blipFill>
-        <p:spPr>
-          <a:xfrm>
-            <a:off x="1333100" y="419892"/>
-            <a:ext cx="914400" cy="914400"/>
-          </a:xfrm>
-          <a:prstGeom prst="rect">
-            <a:avLst/>
-          </a:prstGeom>
-        </p:spPr>
-      </p:pic>
       <p:cxnSp>
         <p:nvCxnSpPr>
-          <p:cNvPr id="8" name="Straight Connector 7">
-            <a:extLst>
-              <a:ext uri="{FF2B5EF4-FFF2-40B4-BE49-F238E27FC236}">
-                <a16:creationId xmlns:a16="http://schemas.microsoft.com/office/drawing/2014/main" id="{63C92BD8-FDA2-8575-C556-7A848E105B62}"/>
+          <p:cNvPr id="57" name="Straight Connector 56">
+            <a:extLst>
+              <a:ext uri="{FF2B5EF4-FFF2-40B4-BE49-F238E27FC236}">
+                <a16:creationId xmlns:a16="http://schemas.microsoft.com/office/drawing/2014/main" id="{96B2AD3F-0C09-62FC-E622-D2817544EB44}"/>
               </a:ext>
             </a:extLst>
           </p:cNvPr>
@@ -3563,10 +3965,10 @@
       </p:cxnSp>
       <p:cxnSp>
         <p:nvCxnSpPr>
-          <p:cNvPr id="9" name="Straight Connector 8">
-            <a:extLst>
-              <a:ext uri="{FF2B5EF4-FFF2-40B4-BE49-F238E27FC236}">
-                <a16:creationId xmlns:a16="http://schemas.microsoft.com/office/drawing/2014/main" id="{F6E36D2C-4000-A3E0-23B2-71F207144F26}"/>
+          <p:cNvPr id="58" name="Straight Connector 57">
+            <a:extLst>
+              <a:ext uri="{FF2B5EF4-FFF2-40B4-BE49-F238E27FC236}">
+                <a16:creationId xmlns:a16="http://schemas.microsoft.com/office/drawing/2014/main" id="{681B1C69-93D5-1E52-EC12-BC05017C1167}"/>
               </a:ext>
             </a:extLst>
           </p:cNvPr>
@@ -3608,10 +4010,10 @@
       </p:cxnSp>
       <p:pic>
         <p:nvPicPr>
-          <p:cNvPr id="10" name="Picture 6" descr="RStudio SVG and transparent PNG icons | TechIcons">
-            <a:extLst>
-              <a:ext uri="{FF2B5EF4-FFF2-40B4-BE49-F238E27FC236}">
-                <a16:creationId xmlns:a16="http://schemas.microsoft.com/office/drawing/2014/main" id="{CD6255B4-9752-75D5-2742-D24D9CE14A10}"/>
+          <p:cNvPr id="59" name="Picture 6" descr="RStudio SVG and transparent PNG icons | TechIcons">
+            <a:extLst>
+              <a:ext uri="{FF2B5EF4-FFF2-40B4-BE49-F238E27FC236}">
+                <a16:creationId xmlns:a16="http://schemas.microsoft.com/office/drawing/2014/main" id="{44BC58F6-FBAD-24F6-E7AC-ADBD0E6B5159}"/>
               </a:ext>
             </a:extLst>
           </p:cNvPr>
@@ -3621,7 +4023,7 @@
           <p:nvPr/>
         </p:nvPicPr>
         <p:blipFill>
-          <a:blip r:embed="rId4">
+          <a:blip r:embed="rId3">
             <a:extLst>
               <a:ext uri="{28A0092B-C50C-407E-A947-70E740481C1C}">
                 <a14:useLocalDpi xmlns:a14="http://schemas.microsoft.com/office/drawing/2010/main" val="0"/>
@@ -3655,10 +4057,10 @@
       </p:pic>
       <p:sp>
         <p:nvSpPr>
-          <p:cNvPr id="11" name="TextBox 10">
-            <a:extLst>
-              <a:ext uri="{FF2B5EF4-FFF2-40B4-BE49-F238E27FC236}">
-                <a16:creationId xmlns:a16="http://schemas.microsoft.com/office/drawing/2014/main" id="{308582A1-E6F9-5AFE-0491-CD3F2C137C7B}"/>
+          <p:cNvPr id="60" name="TextBox 59">
+            <a:extLst>
+              <a:ext uri="{FF2B5EF4-FFF2-40B4-BE49-F238E27FC236}">
+                <a16:creationId xmlns:a16="http://schemas.microsoft.com/office/drawing/2014/main" id="{CA9410F6-D5C9-AA01-A5EE-3911ABA6116F}"/>
               </a:ext>
             </a:extLst>
           </p:cNvPr>
@@ -3697,10 +4099,10 @@
       </p:sp>
       <p:cxnSp>
         <p:nvCxnSpPr>
-          <p:cNvPr id="12" name="Straight Connector 11">
-            <a:extLst>
-              <a:ext uri="{FF2B5EF4-FFF2-40B4-BE49-F238E27FC236}">
-                <a16:creationId xmlns:a16="http://schemas.microsoft.com/office/drawing/2014/main" id="{54D7A3FB-76F6-6811-C184-1FAA1B866273}"/>
+          <p:cNvPr id="61" name="Straight Connector 60">
+            <a:extLst>
+              <a:ext uri="{FF2B5EF4-FFF2-40B4-BE49-F238E27FC236}">
+                <a16:creationId xmlns:a16="http://schemas.microsoft.com/office/drawing/2014/main" id="{383023B7-47E3-B0E9-ED4B-BD4B2DEB8E04}"/>
               </a:ext>
             </a:extLst>
           </p:cNvPr>
@@ -3742,10 +4144,10 @@
       </p:cxnSp>
       <p:cxnSp>
         <p:nvCxnSpPr>
-          <p:cNvPr id="13" name="Straight Connector 12">
-            <a:extLst>
-              <a:ext uri="{FF2B5EF4-FFF2-40B4-BE49-F238E27FC236}">
-                <a16:creationId xmlns:a16="http://schemas.microsoft.com/office/drawing/2014/main" id="{0698439E-C5DA-E353-E32A-3DB1D450A4D1}"/>
+          <p:cNvPr id="62" name="Straight Connector 61">
+            <a:extLst>
+              <a:ext uri="{FF2B5EF4-FFF2-40B4-BE49-F238E27FC236}">
+                <a16:creationId xmlns:a16="http://schemas.microsoft.com/office/drawing/2014/main" id="{82BC6679-528D-D1C0-184A-9DC3298478C0}"/>
               </a:ext>
             </a:extLst>
           </p:cNvPr>
@@ -3787,10 +4189,10 @@
       </p:cxnSp>
       <p:pic>
         <p:nvPicPr>
-          <p:cNvPr id="14" name="Graphic 13" descr="Open folder with solid fill">
-            <a:extLst>
-              <a:ext uri="{FF2B5EF4-FFF2-40B4-BE49-F238E27FC236}">
-                <a16:creationId xmlns:a16="http://schemas.microsoft.com/office/drawing/2014/main" id="{D5485F91-2FB5-526D-2F35-9B1671A2D3E1}"/>
+          <p:cNvPr id="63" name="Graphic 62" descr="Open folder with solid fill">
+            <a:extLst>
+              <a:ext uri="{FF2B5EF4-FFF2-40B4-BE49-F238E27FC236}">
+                <a16:creationId xmlns:a16="http://schemas.microsoft.com/office/drawing/2014/main" id="{E7BD6554-90CB-8B24-D8A6-3AB0FE2C3360}"/>
               </a:ext>
             </a:extLst>
           </p:cNvPr>
@@ -3800,10 +4202,10 @@
           <p:nvPr/>
         </p:nvPicPr>
         <p:blipFill>
-          <a:blip r:embed="rId2">
+          <a:blip r:embed="rId4">
             <a:extLst>
               <a:ext uri="{96DAC541-7B7A-43D3-8B79-37D633B846F1}">
-                <asvg:svgBlip xmlns:asvg="http://schemas.microsoft.com/office/drawing/2016/SVG/main" r:embed="rId3"/>
+                <asvg:svgBlip xmlns:asvg="http://schemas.microsoft.com/office/drawing/2016/SVG/main" r:embed="rId5"/>
               </a:ext>
             </a:extLst>
           </a:blip>
@@ -3823,10 +4225,10 @@
       </p:pic>
       <p:sp>
         <p:nvSpPr>
-          <p:cNvPr id="15" name="TextBox 14">
-            <a:extLst>
-              <a:ext uri="{FF2B5EF4-FFF2-40B4-BE49-F238E27FC236}">
-                <a16:creationId xmlns:a16="http://schemas.microsoft.com/office/drawing/2014/main" id="{2A13F079-1CB6-25D2-0CC9-A797AC2A1F42}"/>
+          <p:cNvPr id="1024" name="TextBox 1023">
+            <a:extLst>
+              <a:ext uri="{FF2B5EF4-FFF2-40B4-BE49-F238E27FC236}">
+                <a16:creationId xmlns:a16="http://schemas.microsoft.com/office/drawing/2014/main" id="{1287128C-F1D6-EAF9-A0AD-4DC9725C8BC6}"/>
               </a:ext>
             </a:extLst>
           </p:cNvPr>
@@ -3858,10 +4260,10 @@
       </p:sp>
       <p:sp>
         <p:nvSpPr>
-          <p:cNvPr id="16" name="TextBox 15">
-            <a:extLst>
-              <a:ext uri="{FF2B5EF4-FFF2-40B4-BE49-F238E27FC236}">
-                <a16:creationId xmlns:a16="http://schemas.microsoft.com/office/drawing/2014/main" id="{3C80C026-972B-F22A-F74E-A3A4DD761BBF}"/>
+          <p:cNvPr id="1025" name="TextBox 1024">
+            <a:extLst>
+              <a:ext uri="{FF2B5EF4-FFF2-40B4-BE49-F238E27FC236}">
+                <a16:creationId xmlns:a16="http://schemas.microsoft.com/office/drawing/2014/main" id="{8E2C1C41-873A-183C-A636-94DB1D69B5AF}"/>
               </a:ext>
             </a:extLst>
           </p:cNvPr>
@@ -3893,10 +4295,10 @@
       </p:sp>
       <p:pic>
         <p:nvPicPr>
-          <p:cNvPr id="17" name="Graphic 16" descr="Document outline">
-            <a:extLst>
-              <a:ext uri="{FF2B5EF4-FFF2-40B4-BE49-F238E27FC236}">
-                <a16:creationId xmlns:a16="http://schemas.microsoft.com/office/drawing/2014/main" id="{0AAAEE80-B490-727A-7A92-A1D1D4D954F8}"/>
+          <p:cNvPr id="1026" name="Graphic 1025" descr="Document outline">
+            <a:extLst>
+              <a:ext uri="{FF2B5EF4-FFF2-40B4-BE49-F238E27FC236}">
+                <a16:creationId xmlns:a16="http://schemas.microsoft.com/office/drawing/2014/main" id="{15260973-E3F2-1578-F92A-22F844C1B68A}"/>
               </a:ext>
             </a:extLst>
           </p:cNvPr>
@@ -3906,10 +4308,10 @@
           <p:nvPr/>
         </p:nvPicPr>
         <p:blipFill>
-          <a:blip r:embed="rId5">
+          <a:blip r:embed="rId6">
             <a:extLst>
               <a:ext uri="{96DAC541-7B7A-43D3-8B79-37D633B846F1}">
-                <asvg:svgBlip xmlns:asvg="http://schemas.microsoft.com/office/drawing/2016/SVG/main" r:embed="rId6"/>
+                <asvg:svgBlip xmlns:asvg="http://schemas.microsoft.com/office/drawing/2016/SVG/main" r:embed="rId7"/>
               </a:ext>
             </a:extLst>
           </a:blip>
@@ -3929,10 +4331,10 @@
       </p:pic>
       <p:pic>
         <p:nvPicPr>
-          <p:cNvPr id="18" name="Graphic 17" descr="Document outline">
-            <a:extLst>
-              <a:ext uri="{FF2B5EF4-FFF2-40B4-BE49-F238E27FC236}">
-                <a16:creationId xmlns:a16="http://schemas.microsoft.com/office/drawing/2014/main" id="{82BD4B8A-C5D0-B9E2-2C37-4485E8D03789}"/>
+          <p:cNvPr id="1027" name="Graphic 1026" descr="Document outline">
+            <a:extLst>
+              <a:ext uri="{FF2B5EF4-FFF2-40B4-BE49-F238E27FC236}">
+                <a16:creationId xmlns:a16="http://schemas.microsoft.com/office/drawing/2014/main" id="{C81AD565-441A-731E-72D7-3EC33146DC25}"/>
               </a:ext>
             </a:extLst>
           </p:cNvPr>
@@ -3942,10 +4344,10 @@
           <p:nvPr/>
         </p:nvPicPr>
         <p:blipFill>
-          <a:blip r:embed="rId5">
+          <a:blip r:embed="rId6">
             <a:extLst>
               <a:ext uri="{96DAC541-7B7A-43D3-8B79-37D633B846F1}">
-                <asvg:svgBlip xmlns:asvg="http://schemas.microsoft.com/office/drawing/2016/SVG/main" r:embed="rId6"/>
+                <asvg:svgBlip xmlns:asvg="http://schemas.microsoft.com/office/drawing/2016/SVG/main" r:embed="rId7"/>
               </a:ext>
             </a:extLst>
           </a:blip>
@@ -3965,10 +4367,10 @@
       </p:pic>
       <p:cxnSp>
         <p:nvCxnSpPr>
-          <p:cNvPr id="19" name="Straight Connector 18">
-            <a:extLst>
-              <a:ext uri="{FF2B5EF4-FFF2-40B4-BE49-F238E27FC236}">
-                <a16:creationId xmlns:a16="http://schemas.microsoft.com/office/drawing/2014/main" id="{B1FFEEAD-DE20-3175-905E-D3136234F143}"/>
+          <p:cNvPr id="1028" name="Straight Connector 1027">
+            <a:extLst>
+              <a:ext uri="{FF2B5EF4-FFF2-40B4-BE49-F238E27FC236}">
+                <a16:creationId xmlns:a16="http://schemas.microsoft.com/office/drawing/2014/main" id="{CCCB13BE-7C90-9F47-AC60-A57B971D8939}"/>
               </a:ext>
             </a:extLst>
           </p:cNvPr>
@@ -4010,10 +4412,10 @@
       </p:cxnSp>
       <p:cxnSp>
         <p:nvCxnSpPr>
-          <p:cNvPr id="20" name="Straight Connector 19">
-            <a:extLst>
-              <a:ext uri="{FF2B5EF4-FFF2-40B4-BE49-F238E27FC236}">
-                <a16:creationId xmlns:a16="http://schemas.microsoft.com/office/drawing/2014/main" id="{EA662BEC-D197-9F2E-6A77-A0168C13B439}"/>
+          <p:cNvPr id="1029" name="Straight Connector 1028">
+            <a:extLst>
+              <a:ext uri="{FF2B5EF4-FFF2-40B4-BE49-F238E27FC236}">
+                <a16:creationId xmlns:a16="http://schemas.microsoft.com/office/drawing/2014/main" id="{BAD7E283-59BC-B01C-63BE-9CF949383E1B}"/>
               </a:ext>
             </a:extLst>
           </p:cNvPr>
@@ -4055,10 +4457,10 @@
       </p:cxnSp>
       <p:pic>
         <p:nvPicPr>
-          <p:cNvPr id="21" name="Picture 2" descr="Quarto">
-            <a:extLst>
-              <a:ext uri="{FF2B5EF4-FFF2-40B4-BE49-F238E27FC236}">
-                <a16:creationId xmlns:a16="http://schemas.microsoft.com/office/drawing/2014/main" id="{072171ED-8CB6-248D-B671-57FD88F75069}"/>
+          <p:cNvPr id="1031" name="Picture 2" descr="Quarto">
+            <a:extLst>
+              <a:ext uri="{FF2B5EF4-FFF2-40B4-BE49-F238E27FC236}">
+                <a16:creationId xmlns:a16="http://schemas.microsoft.com/office/drawing/2014/main" id="{192AE1AD-4DFC-C42F-FD78-B990643599B3}"/>
               </a:ext>
             </a:extLst>
           </p:cNvPr>
@@ -4068,7 +4470,7 @@
           <p:nvPr/>
         </p:nvPicPr>
         <p:blipFill rotWithShape="1">
-          <a:blip r:embed="rId7">
+          <a:blip r:embed="rId8">
             <a:extLst>
               <a:ext uri="{28A0092B-C50C-407E-A947-70E740481C1C}">
                 <a14:useLocalDpi xmlns:a14="http://schemas.microsoft.com/office/drawing/2010/main" val="0"/>
@@ -4093,10 +4495,10 @@
       </p:pic>
       <p:sp>
         <p:nvSpPr>
-          <p:cNvPr id="22" name="TextBox 21">
-            <a:extLst>
-              <a:ext uri="{FF2B5EF4-FFF2-40B4-BE49-F238E27FC236}">
-                <a16:creationId xmlns:a16="http://schemas.microsoft.com/office/drawing/2014/main" id="{28F2B371-83D6-CD28-6D30-4BD609C19B45}"/>
+          <p:cNvPr id="1033" name="TextBox 1032">
+            <a:extLst>
+              <a:ext uri="{FF2B5EF4-FFF2-40B4-BE49-F238E27FC236}">
+                <a16:creationId xmlns:a16="http://schemas.microsoft.com/office/drawing/2014/main" id="{87A963EB-673F-396D-9D84-E737A013C59A}"/>
               </a:ext>
             </a:extLst>
           </p:cNvPr>
@@ -4127,7 +4529,7 @@
                 <a:effectLst/>
                 <a:latin typeface="Lato Extended"/>
               </a:rPr>
-              <a:t>Kristoffer_Wild_S007341.proj</a:t>
+              <a:t>Kristoffer_Wild_S007341.qmd</a:t>
             </a:r>
             <a:endParaRPr lang="en-AU" sz="2000" b="1" dirty="0"/>
           </a:p>
@@ -4135,10 +4537,10 @@
       </p:sp>
       <p:cxnSp>
         <p:nvCxnSpPr>
-          <p:cNvPr id="24" name="Straight Connector 23">
-            <a:extLst>
-              <a:ext uri="{FF2B5EF4-FFF2-40B4-BE49-F238E27FC236}">
-                <a16:creationId xmlns:a16="http://schemas.microsoft.com/office/drawing/2014/main" id="{65040EDA-E2E3-3573-7DF4-F4C03C272A29}"/>
+          <p:cNvPr id="1034" name="Straight Connector 1033">
+            <a:extLst>
+              <a:ext uri="{FF2B5EF4-FFF2-40B4-BE49-F238E27FC236}">
+                <a16:creationId xmlns:a16="http://schemas.microsoft.com/office/drawing/2014/main" id="{D0B34A42-FD76-30EA-667A-F1866EA25267}"/>
               </a:ext>
             </a:extLst>
           </p:cNvPr>
@@ -4180,10 +4582,10 @@
       </p:cxnSp>
       <p:sp>
         <p:nvSpPr>
-          <p:cNvPr id="26" name="TextBox 25">
-            <a:extLst>
-              <a:ext uri="{FF2B5EF4-FFF2-40B4-BE49-F238E27FC236}">
-                <a16:creationId xmlns:a16="http://schemas.microsoft.com/office/drawing/2014/main" id="{B709BEB0-FC91-105F-F6CA-0F384FD3DAC8}"/>
+          <p:cNvPr id="1035" name="TextBox 1034">
+            <a:extLst>
+              <a:ext uri="{FF2B5EF4-FFF2-40B4-BE49-F238E27FC236}">
+                <a16:creationId xmlns:a16="http://schemas.microsoft.com/office/drawing/2014/main" id="{98DD4705-8675-E860-6DA2-9EA0E07EEF8B}"/>
               </a:ext>
             </a:extLst>
           </p:cNvPr>
@@ -4222,10 +4624,10 @@
       </p:sp>
       <p:sp>
         <p:nvSpPr>
-          <p:cNvPr id="29" name="AutoShape 10">
-            <a:extLst>
-              <a:ext uri="{FF2B5EF4-FFF2-40B4-BE49-F238E27FC236}">
-                <a16:creationId xmlns:a16="http://schemas.microsoft.com/office/drawing/2014/main" id="{F4EBF0FE-06C8-D948-0629-318E844996B0}"/>
+          <p:cNvPr id="1037" name="AutoShape 10">
+            <a:extLst>
+              <a:ext uri="{FF2B5EF4-FFF2-40B4-BE49-F238E27FC236}">
+                <a16:creationId xmlns:a16="http://schemas.microsoft.com/office/drawing/2014/main" id="{2EA72683-46C9-442B-9C15-0C4809CDE23D}"/>
               </a:ext>
             </a:extLst>
           </p:cNvPr>
@@ -4267,10 +4669,10 @@
       </p:sp>
       <p:pic>
         <p:nvPicPr>
-          <p:cNvPr id="30" name="Picture 14" descr="Microsoft Word Logo, symbol, meaning, history, PNG, brand">
-            <a:extLst>
-              <a:ext uri="{FF2B5EF4-FFF2-40B4-BE49-F238E27FC236}">
-                <a16:creationId xmlns:a16="http://schemas.microsoft.com/office/drawing/2014/main" id="{89BECB56-A6D0-4BEA-7F5F-A68AEBCD2D9B}"/>
+          <p:cNvPr id="1039" name="Picture 14" descr="Microsoft Word Logo, symbol, meaning, history, PNG, brand">
+            <a:extLst>
+              <a:ext uri="{FF2B5EF4-FFF2-40B4-BE49-F238E27FC236}">
+                <a16:creationId xmlns:a16="http://schemas.microsoft.com/office/drawing/2014/main" id="{11FEB2ED-A59D-DBC0-9B74-9A26C9A0F823}"/>
               </a:ext>
             </a:extLst>
           </p:cNvPr>
@@ -4280,7 +4682,7 @@
           <p:nvPr/>
         </p:nvPicPr>
         <p:blipFill>
-          <a:blip r:embed="rId8">
+          <a:blip r:embed="rId9">
             <a:extLst>
               <a:ext uri="{28A0092B-C50C-407E-A947-70E740481C1C}">
                 <a14:useLocalDpi xmlns:a14="http://schemas.microsoft.com/office/drawing/2010/main" val="0"/>
@@ -4312,10 +4714,153 @@
           </a:extLst>
         </p:spPr>
       </p:pic>
+      <p:pic>
+        <p:nvPicPr>
+          <p:cNvPr id="1040" name="Graphic 1039" descr="Open folder with solid fill">
+            <a:extLst>
+              <a:ext uri="{FF2B5EF4-FFF2-40B4-BE49-F238E27FC236}">
+                <a16:creationId xmlns:a16="http://schemas.microsoft.com/office/drawing/2014/main" id="{F1CD0B1F-C949-914C-8F2D-14B8153B8E27}"/>
+              </a:ext>
+            </a:extLst>
+          </p:cNvPr>
+          <p:cNvPicPr>
+            <a:picLocks noChangeAspect="1"/>
+          </p:cNvPicPr>
+          <p:nvPr/>
+        </p:nvPicPr>
+        <p:blipFill>
+          <a:blip r:embed="rId4">
+            <a:extLst>
+              <a:ext uri="{96DAC541-7B7A-43D3-8B79-37D633B846F1}">
+                <asvg:svgBlip xmlns:asvg="http://schemas.microsoft.com/office/drawing/2016/SVG/main" r:embed="rId5"/>
+              </a:ext>
+            </a:extLst>
+          </a:blip>
+          <a:stretch>
+            <a:fillRect/>
+          </a:stretch>
+        </p:blipFill>
+        <p:spPr>
+          <a:xfrm>
+            <a:off x="1333100" y="419892"/>
+            <a:ext cx="914400" cy="914400"/>
+          </a:xfrm>
+          <a:prstGeom prst="rect">
+            <a:avLst/>
+          </a:prstGeom>
+        </p:spPr>
+      </p:pic>
     </p:spTree>
     <p:extLst>
       <p:ext uri="{BB962C8B-B14F-4D97-AF65-F5344CB8AC3E}">
         <p14:creationId xmlns:p14="http://schemas.microsoft.com/office/powerpoint/2010/main" val="1647797627"/>
+      </p:ext>
+    </p:extLst>
+  </p:cSld>
+  <p:clrMapOvr>
+    <a:masterClrMapping/>
+  </p:clrMapOvr>
+</p:sld>
+</file>
+
+<file path=ppt/slides/slide2.xml><?xml version="1.0" encoding="utf-8"?>
+<p:sld xmlns:a="http://schemas.openxmlformats.org/drawingml/2006/main" xmlns:r="http://schemas.openxmlformats.org/officeDocument/2006/relationships" xmlns:p="http://schemas.openxmlformats.org/presentationml/2006/main">
+  <p:cSld>
+    <p:spTree>
+      <p:nvGrpSpPr>
+        <p:cNvPr id="1" name=""/>
+        <p:cNvGrpSpPr/>
+        <p:nvPr/>
+      </p:nvGrpSpPr>
+      <p:grpSpPr>
+        <a:xfrm>
+          <a:off x="0" y="0"/>
+          <a:ext cx="0" cy="0"/>
+          <a:chOff x="0" y="0"/>
+          <a:chExt cx="0" cy="0"/>
+        </a:xfrm>
+      </p:grpSpPr>
+      <p:pic>
+        <p:nvPicPr>
+          <p:cNvPr id="2056" name="Picture 8" descr="You Are Here PNGs for Free Download">
+            <a:extLst>
+              <a:ext uri="{FF2B5EF4-FFF2-40B4-BE49-F238E27FC236}">
+                <a16:creationId xmlns:a16="http://schemas.microsoft.com/office/drawing/2014/main" id="{453BF9CD-A152-55DA-7750-4BFCFB2D9994}"/>
+              </a:ext>
+            </a:extLst>
+          </p:cNvPr>
+          <p:cNvPicPr>
+            <a:picLocks noChangeAspect="1" noChangeArrowheads="1"/>
+          </p:cNvPicPr>
+          <p:nvPr/>
+        </p:nvPicPr>
+        <p:blipFill>
+          <a:blip r:embed="rId2">
+            <a:extLst>
+              <a:ext uri="{28A0092B-C50C-407E-A947-70E740481C1C}">
+                <a14:useLocalDpi xmlns:a14="http://schemas.microsoft.com/office/drawing/2010/main" val="0"/>
+              </a:ext>
+            </a:extLst>
+          </a:blip>
+          <a:srcRect/>
+          <a:stretch>
+            <a:fillRect/>
+          </a:stretch>
+        </p:blipFill>
+        <p:spPr bwMode="auto">
+          <a:xfrm>
+            <a:off x="5385528" y="100117"/>
+            <a:ext cx="5646950" cy="3469708"/>
+          </a:xfrm>
+          <a:prstGeom prst="rect">
+            <a:avLst/>
+          </a:prstGeom>
+          <a:noFill/>
+          <a:extLst>
+            <a:ext uri="{909E8E84-426E-40DD-AFC4-6F175D3DCCD1}">
+              <a14:hiddenFill xmlns:a14="http://schemas.microsoft.com/office/drawing/2010/main">
+                <a:solidFill>
+                  <a:srgbClr val="FFFFFF"/>
+                </a:solidFill>
+              </a14:hiddenFill>
+            </a:ext>
+          </a:extLst>
+        </p:spPr>
+      </p:pic>
+      <p:pic>
+        <p:nvPicPr>
+          <p:cNvPr id="8" name="Picture 7">
+            <a:extLst>
+              <a:ext uri="{FF2B5EF4-FFF2-40B4-BE49-F238E27FC236}">
+                <a16:creationId xmlns:a16="http://schemas.microsoft.com/office/drawing/2014/main" id="{E9CC5C5B-EC10-6873-81A9-443F8DE3FADA}"/>
+              </a:ext>
+            </a:extLst>
+          </p:cNvPr>
+          <p:cNvPicPr>
+            <a:picLocks noChangeAspect="1"/>
+          </p:cNvPicPr>
+          <p:nvPr/>
+        </p:nvPicPr>
+        <p:blipFill>
+          <a:blip r:embed="rId3"/>
+          <a:stretch>
+            <a:fillRect/>
+          </a:stretch>
+        </p:blipFill>
+        <p:spPr>
+          <a:xfrm>
+            <a:off x="590722" y="971035"/>
+            <a:ext cx="5054600" cy="5410200"/>
+          </a:xfrm>
+          <a:prstGeom prst="rect">
+            <a:avLst/>
+          </a:prstGeom>
+        </p:spPr>
+      </p:pic>
+    </p:spTree>
+    <p:extLst>
+      <p:ext uri="{BB962C8B-B14F-4D97-AF65-F5344CB8AC3E}">
+        <p14:creationId xmlns:p14="http://schemas.microsoft.com/office/powerpoint/2010/main" val="3370551248"/>
       </p:ext>
     </p:extLst>
   </p:cSld>
@@ -4638,4 +5183,319 @@
     </a:ext>
   </a:extLst>
 </a:theme>
+</file>
+
+<file path=ppt/theme/theme2.xml><?xml version="1.0" encoding="utf-8"?>
+<a:theme xmlns:a="http://schemas.openxmlformats.org/drawingml/2006/main" name="Office Theme">
+  <a:themeElements>
+    <a:clrScheme name="Office">
+      <a:dk1>
+        <a:sysClr val="windowText" lastClr="000000"/>
+      </a:dk1>
+      <a:lt1>
+        <a:sysClr val="window" lastClr="FFFFFF"/>
+      </a:lt1>
+      <a:dk2>
+        <a:srgbClr val="0E2841"/>
+      </a:dk2>
+      <a:lt2>
+        <a:srgbClr val="E8E8E8"/>
+      </a:lt2>
+      <a:accent1>
+        <a:srgbClr val="156082"/>
+      </a:accent1>
+      <a:accent2>
+        <a:srgbClr val="E97132"/>
+      </a:accent2>
+      <a:accent3>
+        <a:srgbClr val="196B24"/>
+      </a:accent3>
+      <a:accent4>
+        <a:srgbClr val="0F9ED5"/>
+      </a:accent4>
+      <a:accent5>
+        <a:srgbClr val="A02B93"/>
+      </a:accent5>
+      <a:accent6>
+        <a:srgbClr val="4EA72E"/>
+      </a:accent6>
+      <a:hlink>
+        <a:srgbClr val="467886"/>
+      </a:hlink>
+      <a:folHlink>
+        <a:srgbClr val="96607D"/>
+      </a:folHlink>
+    </a:clrScheme>
+    <a:fontScheme name="Office">
+      <a:majorFont>
+        <a:latin typeface="Aptos Display" panose="02110004020202020204"/>
+        <a:ea typeface=""/>
+        <a:cs typeface=""/>
+        <a:font script="Jpan" typeface="游ゴシック Light"/>
+        <a:font script="Hang" typeface="맑은 고딕"/>
+        <a:font script="Hans" typeface="等线 Light"/>
+        <a:font script="Hant" typeface="新細明體"/>
+        <a:font script="Arab" typeface="Times New Roman"/>
+        <a:font script="Hebr" typeface="Times New Roman"/>
+        <a:font script="Thai" typeface="Angsana New"/>
+        <a:font script="Ethi" typeface="Nyala"/>
+        <a:font script="Beng" typeface="Vrinda"/>
+        <a:font script="Gujr" typeface="Shruti"/>
+        <a:font script="Khmr" typeface="MoolBoran"/>
+        <a:font script="Knda" typeface="Tunga"/>
+        <a:font script="Guru" typeface="Raavi"/>
+        <a:font script="Cans" typeface="Euphemia"/>
+        <a:font script="Cher" typeface="Plantagenet Cherokee"/>
+        <a:font script="Yiii" typeface="Microsoft Yi Baiti"/>
+        <a:font script="Tibt" typeface="Microsoft Himalaya"/>
+        <a:font script="Thaa" typeface="MV Boli"/>
+        <a:font script="Deva" typeface="Mangal"/>
+        <a:font script="Telu" typeface="Gautami"/>
+        <a:font script="Taml" typeface="Latha"/>
+        <a:font script="Syrc" typeface="Estrangelo Edessa"/>
+        <a:font script="Orya" typeface="Kalinga"/>
+        <a:font script="Mlym" typeface="Kartika"/>
+        <a:font script="Laoo" typeface="DokChampa"/>
+        <a:font script="Sinh" typeface="Iskoola Pota"/>
+        <a:font script="Mong" typeface="Mongolian Baiti"/>
+        <a:font script="Viet" typeface="Times New Roman"/>
+        <a:font script="Uigh" typeface="Microsoft Uighur"/>
+        <a:font script="Geor" typeface="Sylfaen"/>
+        <a:font script="Armn" typeface="Arial"/>
+        <a:font script="Bugi" typeface="Leelawadee UI"/>
+        <a:font script="Bopo" typeface="Microsoft JhengHei"/>
+        <a:font script="Java" typeface="Javanese Text"/>
+        <a:font script="Lisu" typeface="Segoe UI"/>
+        <a:font script="Mymr" typeface="Myanmar Text"/>
+        <a:font script="Nkoo" typeface="Ebrima"/>
+        <a:font script="Olck" typeface="Nirmala UI"/>
+        <a:font script="Osma" typeface="Ebrima"/>
+        <a:font script="Phag" typeface="Phagspa"/>
+        <a:font script="Syrn" typeface="Estrangelo Edessa"/>
+        <a:font script="Syrj" typeface="Estrangelo Edessa"/>
+        <a:font script="Syre" typeface="Estrangelo Edessa"/>
+        <a:font script="Sora" typeface="Nirmala UI"/>
+        <a:font script="Tale" typeface="Microsoft Tai Le"/>
+        <a:font script="Talu" typeface="Microsoft New Tai Lue"/>
+        <a:font script="Tfng" typeface="Ebrima"/>
+      </a:majorFont>
+      <a:minorFont>
+        <a:latin typeface="Aptos" panose="02110004020202020204"/>
+        <a:ea typeface=""/>
+        <a:cs typeface=""/>
+        <a:font script="Jpan" typeface="游ゴシック"/>
+        <a:font script="Hang" typeface="맑은 고딕"/>
+        <a:font script="Hans" typeface="等线"/>
+        <a:font script="Hant" typeface="新細明體"/>
+        <a:font script="Arab" typeface="Arial"/>
+        <a:font script="Hebr" typeface="Arial"/>
+        <a:font script="Thai" typeface="Cordia New"/>
+        <a:font script="Ethi" typeface="Nyala"/>
+        <a:font script="Beng" typeface="Vrinda"/>
+        <a:font script="Gujr" typeface="Shruti"/>
+        <a:font script="Khmr" typeface="DaunPenh"/>
+        <a:font script="Knda" typeface="Tunga"/>
+        <a:font script="Guru" typeface="Raavi"/>
+        <a:font script="Cans" typeface="Euphemia"/>
+        <a:font script="Cher" typeface="Plantagenet Cherokee"/>
+        <a:font script="Yiii" typeface="Microsoft Yi Baiti"/>
+        <a:font script="Tibt" typeface="Microsoft Himalaya"/>
+        <a:font script="Thaa" typeface="MV Boli"/>
+        <a:font script="Deva" typeface="Mangal"/>
+        <a:font script="Telu" typeface="Gautami"/>
+        <a:font script="Taml" typeface="Latha"/>
+        <a:font script="Syrc" typeface="Estrangelo Edessa"/>
+        <a:font script="Orya" typeface="Kalinga"/>
+        <a:font script="Mlym" typeface="Kartika"/>
+        <a:font script="Laoo" typeface="DokChampa"/>
+        <a:font script="Sinh" typeface="Iskoola Pota"/>
+        <a:font script="Mong" typeface="Mongolian Baiti"/>
+        <a:font script="Viet" typeface="Arial"/>
+        <a:font script="Uigh" typeface="Microsoft Uighur"/>
+        <a:font script="Geor" typeface="Sylfaen"/>
+        <a:font script="Armn" typeface="Arial"/>
+        <a:font script="Bugi" typeface="Leelawadee UI"/>
+        <a:font script="Bopo" typeface="Microsoft JhengHei"/>
+        <a:font script="Java" typeface="Javanese Text"/>
+        <a:font script="Lisu" typeface="Segoe UI"/>
+        <a:font script="Mymr" typeface="Myanmar Text"/>
+        <a:font script="Nkoo" typeface="Ebrima"/>
+        <a:font script="Olck" typeface="Nirmala UI"/>
+        <a:font script="Osma" typeface="Ebrima"/>
+        <a:font script="Phag" typeface="Phagspa"/>
+        <a:font script="Syrn" typeface="Estrangelo Edessa"/>
+        <a:font script="Syrj" typeface="Estrangelo Edessa"/>
+        <a:font script="Syre" typeface="Estrangelo Edessa"/>
+        <a:font script="Sora" typeface="Nirmala UI"/>
+        <a:font script="Tale" typeface="Microsoft Tai Le"/>
+        <a:font script="Talu" typeface="Microsoft New Tai Lue"/>
+        <a:font script="Tfng" typeface="Ebrima"/>
+      </a:minorFont>
+    </a:fontScheme>
+    <a:fmtScheme name="Office">
+      <a:fillStyleLst>
+        <a:solidFill>
+          <a:schemeClr val="phClr"/>
+        </a:solidFill>
+        <a:gradFill rotWithShape="1">
+          <a:gsLst>
+            <a:gs pos="0">
+              <a:schemeClr val="phClr">
+                <a:lumMod val="110000"/>
+                <a:satMod val="105000"/>
+                <a:tint val="67000"/>
+              </a:schemeClr>
+            </a:gs>
+            <a:gs pos="50000">
+              <a:schemeClr val="phClr">
+                <a:lumMod val="105000"/>
+                <a:satMod val="103000"/>
+                <a:tint val="73000"/>
+              </a:schemeClr>
+            </a:gs>
+            <a:gs pos="100000">
+              <a:schemeClr val="phClr">
+                <a:lumMod val="105000"/>
+                <a:satMod val="109000"/>
+                <a:tint val="81000"/>
+              </a:schemeClr>
+            </a:gs>
+          </a:gsLst>
+          <a:lin ang="5400000" scaled="0"/>
+        </a:gradFill>
+        <a:gradFill rotWithShape="1">
+          <a:gsLst>
+            <a:gs pos="0">
+              <a:schemeClr val="phClr">
+                <a:satMod val="103000"/>
+                <a:lumMod val="102000"/>
+                <a:tint val="94000"/>
+              </a:schemeClr>
+            </a:gs>
+            <a:gs pos="50000">
+              <a:schemeClr val="phClr">
+                <a:satMod val="110000"/>
+                <a:lumMod val="100000"/>
+                <a:shade val="100000"/>
+              </a:schemeClr>
+            </a:gs>
+            <a:gs pos="100000">
+              <a:schemeClr val="phClr">
+                <a:lumMod val="99000"/>
+                <a:satMod val="120000"/>
+                <a:shade val="78000"/>
+              </a:schemeClr>
+            </a:gs>
+          </a:gsLst>
+          <a:lin ang="5400000" scaled="0"/>
+        </a:gradFill>
+      </a:fillStyleLst>
+      <a:lnStyleLst>
+        <a:ln w="12700" cap="flat" cmpd="sng" algn="ctr">
+          <a:solidFill>
+            <a:schemeClr val="phClr"/>
+          </a:solidFill>
+          <a:prstDash val="solid"/>
+          <a:miter lim="800000"/>
+        </a:ln>
+        <a:ln w="19050" cap="flat" cmpd="sng" algn="ctr">
+          <a:solidFill>
+            <a:schemeClr val="phClr"/>
+          </a:solidFill>
+          <a:prstDash val="solid"/>
+          <a:miter lim="800000"/>
+        </a:ln>
+        <a:ln w="25400" cap="flat" cmpd="sng" algn="ctr">
+          <a:solidFill>
+            <a:schemeClr val="phClr"/>
+          </a:solidFill>
+          <a:prstDash val="solid"/>
+          <a:miter lim="800000"/>
+        </a:ln>
+      </a:lnStyleLst>
+      <a:effectStyleLst>
+        <a:effectStyle>
+          <a:effectLst/>
+        </a:effectStyle>
+        <a:effectStyle>
+          <a:effectLst/>
+        </a:effectStyle>
+        <a:effectStyle>
+          <a:effectLst>
+            <a:outerShdw blurRad="57150" dist="19050" dir="5400000" algn="ctr" rotWithShape="0">
+              <a:srgbClr val="000000">
+                <a:alpha val="63000"/>
+              </a:srgbClr>
+            </a:outerShdw>
+          </a:effectLst>
+        </a:effectStyle>
+      </a:effectStyleLst>
+      <a:bgFillStyleLst>
+        <a:solidFill>
+          <a:schemeClr val="phClr"/>
+        </a:solidFill>
+        <a:solidFill>
+          <a:schemeClr val="phClr">
+            <a:tint val="95000"/>
+            <a:satMod val="170000"/>
+          </a:schemeClr>
+        </a:solidFill>
+        <a:gradFill rotWithShape="1">
+          <a:gsLst>
+            <a:gs pos="0">
+              <a:schemeClr val="phClr">
+                <a:tint val="93000"/>
+                <a:satMod val="150000"/>
+                <a:shade val="98000"/>
+                <a:lumMod val="102000"/>
+              </a:schemeClr>
+            </a:gs>
+            <a:gs pos="50000">
+              <a:schemeClr val="phClr">
+                <a:tint val="98000"/>
+                <a:satMod val="130000"/>
+                <a:shade val="90000"/>
+                <a:lumMod val="103000"/>
+              </a:schemeClr>
+            </a:gs>
+            <a:gs pos="100000">
+              <a:schemeClr val="phClr">
+                <a:shade val="63000"/>
+                <a:satMod val="120000"/>
+              </a:schemeClr>
+            </a:gs>
+          </a:gsLst>
+          <a:lin ang="5400000" scaled="0"/>
+        </a:gradFill>
+      </a:bgFillStyleLst>
+    </a:fmtScheme>
+  </a:themeElements>
+  <a:objectDefaults>
+    <a:lnDef>
+      <a:spPr/>
+      <a:bodyPr/>
+      <a:lstStyle/>
+      <a:style>
+        <a:lnRef idx="2">
+          <a:schemeClr val="accent1"/>
+        </a:lnRef>
+        <a:fillRef idx="0">
+          <a:schemeClr val="accent1"/>
+        </a:fillRef>
+        <a:effectRef idx="1">
+          <a:schemeClr val="accent1"/>
+        </a:effectRef>
+        <a:fontRef idx="minor">
+          <a:schemeClr val="tx1"/>
+        </a:fontRef>
+      </a:style>
+    </a:lnDef>
+  </a:objectDefaults>
+  <a:extraClrSchemeLst/>
+  <a:extLst>
+    <a:ext uri="{05A4C25C-085E-4340-85A3-A5531E510DB2}">
+      <thm15:themeFamily xmlns:thm15="http://schemas.microsoft.com/office/thememl/2012/main" name="Office Theme" id="{2E142A2C-CD16-42D6-873A-C26D2A0506FA}" vid="{1BDDFF52-6CD6-40A5-AB3C-68EB2F1E4D0A}"/>
+    </a:ext>
+  </a:extLst>
+</a:theme>
 </file>
--- a/Week_3/Coding_rubric/Image.pptx
+++ b/Week_3/Coding_rubric/Image.pptx
@@ -5,11 +5,12 @@
     <p:sldMasterId id="2147483648" r:id="rId1"/>
   </p:sldMasterIdLst>
   <p:notesMasterIdLst>
-    <p:notesMasterId r:id="rId4"/>
+    <p:notesMasterId r:id="rId5"/>
   </p:notesMasterIdLst>
   <p:sldIdLst>
     <p:sldId id="256" r:id="rId2"/>
     <p:sldId id="257" r:id="rId3"/>
+    <p:sldId id="258" r:id="rId4"/>
   </p:sldIdLst>
   <p:sldSz cx="12192000" cy="6858000"/>
   <p:notesSz cx="6858000" cy="9144000"/>
@@ -4861,6 +4862,324 @@
     <p:extLst>
       <p:ext uri="{BB962C8B-B14F-4D97-AF65-F5344CB8AC3E}">
         <p14:creationId xmlns:p14="http://schemas.microsoft.com/office/powerpoint/2010/main" val="3370551248"/>
+      </p:ext>
+    </p:extLst>
+  </p:cSld>
+  <p:clrMapOvr>
+    <a:masterClrMapping/>
+  </p:clrMapOvr>
+</p:sld>
+</file>
+
+<file path=ppt/slides/slide3.xml><?xml version="1.0" encoding="utf-8"?>
+<p:sld xmlns:a="http://schemas.openxmlformats.org/drawingml/2006/main" xmlns:r="http://schemas.openxmlformats.org/officeDocument/2006/relationships" xmlns:p="http://schemas.openxmlformats.org/presentationml/2006/main">
+  <p:cSld>
+    <p:spTree>
+      <p:nvGrpSpPr>
+        <p:cNvPr id="1" name=""/>
+        <p:cNvGrpSpPr/>
+        <p:nvPr/>
+      </p:nvGrpSpPr>
+      <p:grpSpPr>
+        <a:xfrm>
+          <a:off x="0" y="0"/>
+          <a:ext cx="0" cy="0"/>
+          <a:chOff x="0" y="0"/>
+          <a:chExt cx="0" cy="0"/>
+        </a:xfrm>
+      </p:grpSpPr>
+      <p:sp>
+        <p:nvSpPr>
+          <p:cNvPr id="32" name="TextBox 31">
+            <a:extLst>
+              <a:ext uri="{FF2B5EF4-FFF2-40B4-BE49-F238E27FC236}">
+                <a16:creationId xmlns:a16="http://schemas.microsoft.com/office/drawing/2014/main" id="{17529B0D-C7D1-BAFA-98EA-78060970E122}"/>
+              </a:ext>
+            </a:extLst>
+          </p:cNvPr>
+          <p:cNvSpPr txBox="1"/>
+          <p:nvPr/>
+        </p:nvSpPr>
+        <p:spPr>
+          <a:xfrm>
+            <a:off x="7241059" y="914396"/>
+            <a:ext cx="3348680" cy="646331"/>
+          </a:xfrm>
+          <a:prstGeom prst="rect">
+            <a:avLst/>
+          </a:prstGeom>
+          <a:noFill/>
+        </p:spPr>
+        <p:txBody>
+          <a:bodyPr wrap="square" rtlCol="0">
+            <a:spAutoFit/>
+          </a:bodyPr>
+          <a:lstStyle/>
+          <a:p>
+            <a:r>
+              <a:rPr lang="en-AU" b="1" dirty="0"/>
+              <a:t>The data problem</a:t>
+            </a:r>
+          </a:p>
+          <a:p>
+            <a:r>
+              <a:rPr lang="en-AU" b="1" dirty="0"/>
+              <a:t>&amp; what you did to it</a:t>
+            </a:r>
+          </a:p>
+        </p:txBody>
+      </p:sp>
+      <p:sp>
+        <p:nvSpPr>
+          <p:cNvPr id="33" name="TextBox 32">
+            <a:extLst>
+              <a:ext uri="{FF2B5EF4-FFF2-40B4-BE49-F238E27FC236}">
+                <a16:creationId xmlns:a16="http://schemas.microsoft.com/office/drawing/2014/main" id="{850FE101-E9A1-C5ED-7698-F374819F4276}"/>
+              </a:ext>
+            </a:extLst>
+          </p:cNvPr>
+          <p:cNvSpPr txBox="1"/>
+          <p:nvPr/>
+        </p:nvSpPr>
+        <p:spPr>
+          <a:xfrm>
+            <a:off x="7257535" y="3244334"/>
+            <a:ext cx="2166940" cy="369332"/>
+          </a:xfrm>
+          <a:prstGeom prst="rect">
+            <a:avLst/>
+          </a:prstGeom>
+          <a:noFill/>
+        </p:spPr>
+        <p:txBody>
+          <a:bodyPr wrap="none" rtlCol="0">
+            <a:spAutoFit/>
+          </a:bodyPr>
+          <a:lstStyle/>
+          <a:p>
+            <a:r>
+              <a:rPr lang="en-AU" b="1" dirty="0"/>
+              <a:t>The code you used </a:t>
+            </a:r>
+          </a:p>
+        </p:txBody>
+      </p:sp>
+      <p:sp>
+        <p:nvSpPr>
+          <p:cNvPr id="34" name="TextBox 33">
+            <a:extLst>
+              <a:ext uri="{FF2B5EF4-FFF2-40B4-BE49-F238E27FC236}">
+                <a16:creationId xmlns:a16="http://schemas.microsoft.com/office/drawing/2014/main" id="{69710571-C17A-4CC6-1132-E231B326A760}"/>
+              </a:ext>
+            </a:extLst>
+          </p:cNvPr>
+          <p:cNvSpPr txBox="1"/>
+          <p:nvPr/>
+        </p:nvSpPr>
+        <p:spPr>
+          <a:xfrm>
+            <a:off x="7224583" y="5558481"/>
+            <a:ext cx="2382383" cy="369332"/>
+          </a:xfrm>
+          <a:prstGeom prst="rect">
+            <a:avLst/>
+          </a:prstGeom>
+          <a:noFill/>
+        </p:spPr>
+        <p:txBody>
+          <a:bodyPr wrap="none" rtlCol="0">
+            <a:spAutoFit/>
+          </a:bodyPr>
+          <a:lstStyle/>
+          <a:p>
+            <a:r>
+              <a:rPr lang="en-AU" b="1" dirty="0"/>
+              <a:t>The final comparison</a:t>
+            </a:r>
+          </a:p>
+        </p:txBody>
+      </p:sp>
+      <p:sp>
+        <p:nvSpPr>
+          <p:cNvPr id="35" name="Right Bracket 34">
+            <a:extLst>
+              <a:ext uri="{FF2B5EF4-FFF2-40B4-BE49-F238E27FC236}">
+                <a16:creationId xmlns:a16="http://schemas.microsoft.com/office/drawing/2014/main" id="{93948687-99C0-C508-318C-724FDA69529E}"/>
+              </a:ext>
+            </a:extLst>
+          </p:cNvPr>
+          <p:cNvSpPr/>
+          <p:nvPr/>
+        </p:nvSpPr>
+        <p:spPr>
+          <a:xfrm>
+            <a:off x="6956854" y="160637"/>
+            <a:ext cx="284206" cy="2162433"/>
+          </a:xfrm>
+          <a:prstGeom prst="rightBracket">
+            <a:avLst/>
+          </a:prstGeom>
+          <a:ln w="44450">
+            <a:solidFill>
+              <a:schemeClr val="tx1"/>
+            </a:solidFill>
+          </a:ln>
+        </p:spPr>
+        <p:style>
+          <a:lnRef idx="2">
+            <a:schemeClr val="accent1"/>
+          </a:lnRef>
+          <a:fillRef idx="0">
+            <a:schemeClr val="accent1"/>
+          </a:fillRef>
+          <a:effectRef idx="1">
+            <a:schemeClr val="accent1"/>
+          </a:effectRef>
+          <a:fontRef idx="minor">
+            <a:schemeClr val="tx1"/>
+          </a:fontRef>
+        </p:style>
+        <p:txBody>
+          <a:bodyPr rtlCol="0" anchor="ctr"/>
+          <a:lstStyle/>
+          <a:p>
+            <a:pPr algn="ctr"/>
+            <a:endParaRPr lang="en-AU"/>
+          </a:p>
+        </p:txBody>
+      </p:sp>
+      <p:sp>
+        <p:nvSpPr>
+          <p:cNvPr id="36" name="Right Bracket 35">
+            <a:extLst>
+              <a:ext uri="{FF2B5EF4-FFF2-40B4-BE49-F238E27FC236}">
+                <a16:creationId xmlns:a16="http://schemas.microsoft.com/office/drawing/2014/main" id="{661A5229-1555-FD98-D3BC-785184E09015}"/>
+              </a:ext>
+            </a:extLst>
+          </p:cNvPr>
+          <p:cNvSpPr/>
+          <p:nvPr/>
+        </p:nvSpPr>
+        <p:spPr>
+          <a:xfrm>
+            <a:off x="6948616" y="2542294"/>
+            <a:ext cx="284206" cy="1787135"/>
+          </a:xfrm>
+          <a:prstGeom prst="rightBracket">
+            <a:avLst/>
+          </a:prstGeom>
+          <a:ln w="44450">
+            <a:solidFill>
+              <a:schemeClr val="tx1"/>
+            </a:solidFill>
+          </a:ln>
+        </p:spPr>
+        <p:style>
+          <a:lnRef idx="2">
+            <a:schemeClr val="accent1"/>
+          </a:lnRef>
+          <a:fillRef idx="0">
+            <a:schemeClr val="accent1"/>
+          </a:fillRef>
+          <a:effectRef idx="1">
+            <a:schemeClr val="accent1"/>
+          </a:effectRef>
+          <a:fontRef idx="minor">
+            <a:schemeClr val="tx1"/>
+          </a:fontRef>
+        </p:style>
+        <p:txBody>
+          <a:bodyPr rtlCol="0" anchor="ctr"/>
+          <a:lstStyle/>
+          <a:p>
+            <a:pPr algn="ctr"/>
+            <a:endParaRPr lang="en-AU"/>
+          </a:p>
+        </p:txBody>
+      </p:sp>
+      <p:sp>
+        <p:nvSpPr>
+          <p:cNvPr id="37" name="Right Bracket 36">
+            <a:extLst>
+              <a:ext uri="{FF2B5EF4-FFF2-40B4-BE49-F238E27FC236}">
+                <a16:creationId xmlns:a16="http://schemas.microsoft.com/office/drawing/2014/main" id="{840D3425-22A0-A857-281D-BE4F6395D497}"/>
+              </a:ext>
+            </a:extLst>
+          </p:cNvPr>
+          <p:cNvSpPr/>
+          <p:nvPr/>
+        </p:nvSpPr>
+        <p:spPr>
+          <a:xfrm>
+            <a:off x="6903305" y="5158110"/>
+            <a:ext cx="284206" cy="1109670"/>
+          </a:xfrm>
+          <a:prstGeom prst="rightBracket">
+            <a:avLst/>
+          </a:prstGeom>
+          <a:ln w="44450">
+            <a:solidFill>
+              <a:schemeClr val="tx1"/>
+            </a:solidFill>
+          </a:ln>
+        </p:spPr>
+        <p:style>
+          <a:lnRef idx="2">
+            <a:schemeClr val="accent1"/>
+          </a:lnRef>
+          <a:fillRef idx="0">
+            <a:schemeClr val="accent1"/>
+          </a:fillRef>
+          <a:effectRef idx="1">
+            <a:schemeClr val="accent1"/>
+          </a:effectRef>
+          <a:fontRef idx="minor">
+            <a:schemeClr val="tx1"/>
+          </a:fontRef>
+        </p:style>
+        <p:txBody>
+          <a:bodyPr rtlCol="0" anchor="ctr"/>
+          <a:lstStyle/>
+          <a:p>
+            <a:pPr algn="ctr"/>
+            <a:endParaRPr lang="en-AU"/>
+          </a:p>
+        </p:txBody>
+      </p:sp>
+      <p:pic>
+        <p:nvPicPr>
+          <p:cNvPr id="38" name="Picture 37">
+            <a:extLst>
+              <a:ext uri="{FF2B5EF4-FFF2-40B4-BE49-F238E27FC236}">
+                <a16:creationId xmlns:a16="http://schemas.microsoft.com/office/drawing/2014/main" id="{47457B0C-532D-46A0-C749-C8C1101F0953}"/>
+              </a:ext>
+            </a:extLst>
+          </p:cNvPr>
+          <p:cNvPicPr>
+            <a:picLocks noChangeAspect="1"/>
+          </p:cNvPicPr>
+          <p:nvPr/>
+        </p:nvPicPr>
+        <p:blipFill>
+          <a:blip r:embed="rId2"/>
+          <a:stretch>
+            <a:fillRect/>
+          </a:stretch>
+        </p:blipFill>
+        <p:spPr>
+          <a:xfrm>
+            <a:off x="3023788" y="0"/>
+            <a:ext cx="3920207" cy="6858000"/>
+          </a:xfrm>
+          <a:prstGeom prst="rect">
+            <a:avLst/>
+          </a:prstGeom>
+        </p:spPr>
+      </p:pic>
+    </p:spTree>
+    <p:extLst>
+      <p:ext uri="{BB962C8B-B14F-4D97-AF65-F5344CB8AC3E}">
+        <p14:creationId xmlns:p14="http://schemas.microsoft.com/office/powerpoint/2010/main" val="3814634327"/>
       </p:ext>
     </p:extLst>
   </p:cSld>
